--- a/repo/1013.pptx
+++ b/repo/1013.pptx
@@ -7968,7 +7968,7 @@
           <a:p>
             <a:r>
               <a:rPr lang="zh-CN" altLang="en-US" dirty="0"/>
-              <a:t>目前计划的模块</a:t>
+              <a:t>目前计划</a:t>
             </a:r>
           </a:p>
         </p:txBody>
@@ -7996,7 +7996,15 @@
           <a:p>
             <a:r>
               <a:rPr lang="zh-CN" altLang="en-US" dirty="0"/>
-              <a:t>内存区间管理</a:t>
+              <a:t>内存区间管理 </a:t>
+            </a:r>
+            <a:r>
+              <a:rPr lang="en-US" altLang="zh-CN" dirty="0"/>
+              <a:t>– </a:t>
+            </a:r>
+            <a:r>
+              <a:rPr lang="zh-CN" altLang="en-US" dirty="0"/>
+              <a:t>闭浩扬</a:t>
             </a:r>
             <a:endParaRPr lang="en-US" altLang="zh-CN" dirty="0"/>
           </a:p>
@@ -8020,13 +8028,21 @@
               <a:rPr lang="zh-CN" altLang="en-US" dirty="0"/>
               <a:t>系</a:t>
             </a:r>
+            <a:r>
+              <a:rPr lang="en-US" altLang="zh-CN" dirty="0"/>
+              <a:t> – </a:t>
+            </a:r>
+            <a:r>
+              <a:rPr lang="zh-CN" altLang="en-US" dirty="0"/>
+              <a:t>孙迅</a:t>
+            </a:r>
             <a:endParaRPr lang="en-US" altLang="zh-CN" dirty="0"/>
           </a:p>
           <a:p>
             <a:pPr lvl="1"/>
             <a:r>
               <a:rPr lang="en-US" altLang="zh-CN" dirty="0" err="1"/>
-              <a:t>Epoll</a:t>
+              <a:t>epoll</a:t>
             </a:r>
             <a:r>
               <a:rPr lang="en-US" altLang="zh-CN" dirty="0"/>
@@ -8042,47 +8058,37 @@
             <a:pPr lvl="1"/>
             <a:r>
               <a:rPr lang="en-US" altLang="zh-CN" dirty="0" err="1"/>
-              <a:t>Ppoll</a:t>
+              <a:t>ppoll</a:t>
             </a:r>
             <a:r>
               <a:rPr lang="en-US" altLang="zh-CN" dirty="0"/>
-              <a:t> / poll </a:t>
-            </a:r>
-            <a:r>
-              <a:rPr lang="zh-CN" altLang="en-US" dirty="0"/>
-              <a:t>（</a:t>
-            </a:r>
-            <a:r>
-              <a:rPr lang="en-US" altLang="zh-CN" dirty="0"/>
-              <a:t>TODO</a:t>
-            </a:r>
-            <a:r>
-              <a:rPr lang="zh-CN" altLang="en-US" dirty="0"/>
-              <a:t>）</a:t>
-            </a:r>
-            <a:endParaRPr lang="en-US" altLang="zh-CN" dirty="0"/>
+              <a:t> / poll</a:t>
+            </a:r>
           </a:p>
           <a:p>
             <a:pPr lvl="1"/>
             <a:r>
               <a:rPr lang="en-US" altLang="zh-CN" dirty="0" err="1"/>
-              <a:t>Pselect</a:t>
+              <a:t>pselect</a:t>
             </a:r>
             <a:r>
               <a:rPr lang="en-US" altLang="zh-CN" dirty="0"/>
               <a:t> / select</a:t>
             </a:r>
+          </a:p>
+          <a:p>
+            <a:pPr lvl="1"/>
             <a:r>
               <a:rPr lang="zh-CN" altLang="en-US" dirty="0"/>
-              <a:t>（</a:t>
-            </a:r>
-            <a:r>
-              <a:rPr lang="en-US" altLang="zh-CN" dirty="0"/>
-              <a:t>TODO</a:t>
+              <a:t>连带的</a:t>
+            </a:r>
+            <a:r>
+              <a:rPr lang="en-US" altLang="zh-CN" dirty="0" err="1"/>
+              <a:t>syscall</a:t>
             </a:r>
             <a:r>
               <a:rPr lang="zh-CN" altLang="en-US" dirty="0"/>
-              <a:t>）</a:t>
+              <a:t>的部分也可以拆出来处理</a:t>
             </a:r>
             <a:endParaRPr lang="en-US" altLang="zh-CN" dirty="0"/>
           </a:p>
